--- a/News_of_the _Week.pptx
+++ b/News_of_the _Week.pptx
@@ -4,6 +4,9 @@
   <p:sldMasterIdLst>
     <p:sldMasterId id="2147483648" r:id="rId1"/>
   </p:sldMasterIdLst>
+  <p:notesMasterIdLst>
+    <p:notesMasterId r:id="rId14"/>
+  </p:notesMasterIdLst>
   <p:sldIdLst>
     <p:sldId id="256" r:id="rId2"/>
     <p:sldId id="257" r:id="rId3"/>
@@ -15,9 +18,8 @@
     <p:sldId id="262" r:id="rId9"/>
     <p:sldId id="263" r:id="rId10"/>
     <p:sldId id="264" r:id="rId11"/>
-    <p:sldId id="265" r:id="rId12"/>
-    <p:sldId id="266" r:id="rId13"/>
-    <p:sldId id="267" r:id="rId14"/>
+    <p:sldId id="266" r:id="rId12"/>
+    <p:sldId id="267" r:id="rId13"/>
   </p:sldIdLst>
   <p:sldSz cx="12192000" cy="6858000"/>
   <p:notesSz cx="6858000" cy="9144000"/>
@@ -116,6 +118,11 @@
       </a:defRPr>
     </a:lvl9pPr>
   </p:defaultTextStyle>
+  <p:extLst>
+    <p:ext uri="{EFAFB233-063F-42B5-8137-9DF3F51BA10A}">
+      <p15:sldGuideLst xmlns:p15="http://schemas.microsoft.com/office/powerpoint/2012/main"/>
+    </p:ext>
+  </p:extLst>
 </p:presentation>
 </file>
 
@@ -2557,7 +2564,7 @@
   <dgm:whole/>
   <dgm:extLst>
     <a:ext uri="http://schemas.microsoft.com/office/drawing/2008/diagram">
-      <dsp:dataModelExt xmlns:dsp="http://schemas.microsoft.com/office/drawing/2008/diagram" relId="rId7" minVer="http://schemas.openxmlformats.org/drawingml/2006/diagram"/>
+      <dsp:dataModelExt xmlns:dsp="http://schemas.microsoft.com/office/drawing/2008/diagram" relId="rId9" minVer="http://schemas.openxmlformats.org/drawingml/2006/diagram"/>
     </a:ext>
   </dgm:extLst>
 </dgm:dataModel>
@@ -8380,6 +8387,439 @@
 </dgm:styleDef>
 </file>
 
+<file path=ppt/notesMasters/notesMaster1.xml><?xml version="1.0" encoding="utf-8"?>
+<p:notesMaster xmlns:a="http://schemas.openxmlformats.org/drawingml/2006/main" xmlns:r="http://schemas.openxmlformats.org/officeDocument/2006/relationships" xmlns:p="http://schemas.openxmlformats.org/presentationml/2006/main">
+  <p:cSld>
+    <p:bg>
+      <p:bgRef idx="1001">
+        <a:schemeClr val="bg1"/>
+      </p:bgRef>
+    </p:bg>
+    <p:spTree>
+      <p:nvGrpSpPr>
+        <p:cNvPr id="1" name=""/>
+        <p:cNvGrpSpPr/>
+        <p:nvPr/>
+      </p:nvGrpSpPr>
+      <p:grpSpPr>
+        <a:xfrm>
+          <a:off x="0" y="0"/>
+          <a:ext cx="0" cy="0"/>
+          <a:chOff x="0" y="0"/>
+          <a:chExt cx="0" cy="0"/>
+        </a:xfrm>
+      </p:grpSpPr>
+      <p:sp>
+        <p:nvSpPr>
+          <p:cNvPr id="2" name="Header Placeholder 1"/>
+          <p:cNvSpPr>
+            <a:spLocks noGrp="1"/>
+          </p:cNvSpPr>
+          <p:nvPr>
+            <p:ph type="hdr" sz="quarter"/>
+          </p:nvPr>
+        </p:nvSpPr>
+        <p:spPr>
+          <a:xfrm>
+            <a:off x="0" y="0"/>
+            <a:ext cx="2971800" cy="458788"/>
+          </a:xfrm>
+          <a:prstGeom prst="rect">
+            <a:avLst/>
+          </a:prstGeom>
+        </p:spPr>
+        <p:txBody>
+          <a:bodyPr vert="horz" lIns="91440" tIns="45720" rIns="91440" bIns="45720" rtlCol="0"/>
+          <a:lstStyle>
+            <a:lvl1pPr algn="l">
+              <a:defRPr sz="1200"/>
+            </a:lvl1pPr>
+          </a:lstStyle>
+          <a:p>
+            <a:endParaRPr lang="en-US"/>
+          </a:p>
+        </p:txBody>
+      </p:sp>
+      <p:sp>
+        <p:nvSpPr>
+          <p:cNvPr id="3" name="Date Placeholder 2"/>
+          <p:cNvSpPr>
+            <a:spLocks noGrp="1"/>
+          </p:cNvSpPr>
+          <p:nvPr>
+            <p:ph type="dt" idx="1"/>
+          </p:nvPr>
+        </p:nvSpPr>
+        <p:spPr>
+          <a:xfrm>
+            <a:off x="3884613" y="0"/>
+            <a:ext cx="2971800" cy="458788"/>
+          </a:xfrm>
+          <a:prstGeom prst="rect">
+            <a:avLst/>
+          </a:prstGeom>
+        </p:spPr>
+        <p:txBody>
+          <a:bodyPr vert="horz" lIns="91440" tIns="45720" rIns="91440" bIns="45720" rtlCol="0"/>
+          <a:lstStyle>
+            <a:lvl1pPr algn="r">
+              <a:defRPr sz="1200"/>
+            </a:lvl1pPr>
+          </a:lstStyle>
+          <a:p>
+            <a:fld id="{36A3B353-14A6-274A-950A-9ACB44B50F78}" type="datetimeFigureOut">
+              <a:rPr lang="en-US" smtClean="0"/>
+              <a:t>6/6/19</a:t>
+            </a:fld>
+            <a:endParaRPr lang="en-US"/>
+          </a:p>
+        </p:txBody>
+      </p:sp>
+      <p:sp>
+        <p:nvSpPr>
+          <p:cNvPr id="4" name="Slide Image Placeholder 3"/>
+          <p:cNvSpPr>
+            <a:spLocks noGrp="1" noRot="1" noChangeAspect="1"/>
+          </p:cNvSpPr>
+          <p:nvPr>
+            <p:ph type="sldImg" idx="2"/>
+          </p:nvPr>
+        </p:nvSpPr>
+        <p:spPr>
+          <a:xfrm>
+            <a:off x="685800" y="1143000"/>
+            <a:ext cx="5486400" cy="3086100"/>
+          </a:xfrm>
+          <a:prstGeom prst="rect">
+            <a:avLst/>
+          </a:prstGeom>
+          <a:noFill/>
+          <a:ln w="12700">
+            <a:solidFill>
+              <a:prstClr val="black"/>
+            </a:solidFill>
+          </a:ln>
+        </p:spPr>
+        <p:txBody>
+          <a:bodyPr vert="horz" lIns="91440" tIns="45720" rIns="91440" bIns="45720" rtlCol="0" anchor="ctr"/>
+          <a:lstStyle/>
+          <a:p>
+            <a:endParaRPr lang="en-US"/>
+          </a:p>
+        </p:txBody>
+      </p:sp>
+      <p:sp>
+        <p:nvSpPr>
+          <p:cNvPr id="5" name="Notes Placeholder 4"/>
+          <p:cNvSpPr>
+            <a:spLocks noGrp="1"/>
+          </p:cNvSpPr>
+          <p:nvPr>
+            <p:ph type="body" sz="quarter" idx="3"/>
+          </p:nvPr>
+        </p:nvSpPr>
+        <p:spPr>
+          <a:xfrm>
+            <a:off x="685800" y="4400550"/>
+            <a:ext cx="5486400" cy="3600450"/>
+          </a:xfrm>
+          <a:prstGeom prst="rect">
+            <a:avLst/>
+          </a:prstGeom>
+        </p:spPr>
+        <p:txBody>
+          <a:bodyPr vert="horz" lIns="91440" tIns="45720" rIns="91440" bIns="45720" rtlCol="0"/>
+          <a:lstStyle/>
+          <a:p>
+            <a:pPr lvl="0"/>
+            <a:r>
+              <a:rPr lang="en-US"/>
+              <a:t>Click to edit Master text styles</a:t>
+            </a:r>
+          </a:p>
+          <a:p>
+            <a:pPr lvl="1"/>
+            <a:r>
+              <a:rPr lang="en-US"/>
+              <a:t>Second level</a:t>
+            </a:r>
+          </a:p>
+          <a:p>
+            <a:pPr lvl="2"/>
+            <a:r>
+              <a:rPr lang="en-US"/>
+              <a:t>Third level</a:t>
+            </a:r>
+          </a:p>
+          <a:p>
+            <a:pPr lvl="3"/>
+            <a:r>
+              <a:rPr lang="en-US"/>
+              <a:t>Fourth level</a:t>
+            </a:r>
+          </a:p>
+          <a:p>
+            <a:pPr lvl="4"/>
+            <a:r>
+              <a:rPr lang="en-US"/>
+              <a:t>Fifth level</a:t>
+            </a:r>
+          </a:p>
+        </p:txBody>
+      </p:sp>
+      <p:sp>
+        <p:nvSpPr>
+          <p:cNvPr id="6" name="Footer Placeholder 5"/>
+          <p:cNvSpPr>
+            <a:spLocks noGrp="1"/>
+          </p:cNvSpPr>
+          <p:nvPr>
+            <p:ph type="ftr" sz="quarter" idx="4"/>
+          </p:nvPr>
+        </p:nvSpPr>
+        <p:spPr>
+          <a:xfrm>
+            <a:off x="0" y="8685213"/>
+            <a:ext cx="2971800" cy="458787"/>
+          </a:xfrm>
+          <a:prstGeom prst="rect">
+            <a:avLst/>
+          </a:prstGeom>
+        </p:spPr>
+        <p:txBody>
+          <a:bodyPr vert="horz" lIns="91440" tIns="45720" rIns="91440" bIns="45720" rtlCol="0" anchor="b"/>
+          <a:lstStyle>
+            <a:lvl1pPr algn="l">
+              <a:defRPr sz="1200"/>
+            </a:lvl1pPr>
+          </a:lstStyle>
+          <a:p>
+            <a:endParaRPr lang="en-US"/>
+          </a:p>
+        </p:txBody>
+      </p:sp>
+      <p:sp>
+        <p:nvSpPr>
+          <p:cNvPr id="7" name="Slide Number Placeholder 6"/>
+          <p:cNvSpPr>
+            <a:spLocks noGrp="1"/>
+          </p:cNvSpPr>
+          <p:nvPr>
+            <p:ph type="sldNum" sz="quarter" idx="5"/>
+          </p:nvPr>
+        </p:nvSpPr>
+        <p:spPr>
+          <a:xfrm>
+            <a:off x="3884613" y="8685213"/>
+            <a:ext cx="2971800" cy="458787"/>
+          </a:xfrm>
+          <a:prstGeom prst="rect">
+            <a:avLst/>
+          </a:prstGeom>
+        </p:spPr>
+        <p:txBody>
+          <a:bodyPr vert="horz" lIns="91440" tIns="45720" rIns="91440" bIns="45720" rtlCol="0" anchor="b"/>
+          <a:lstStyle>
+            <a:lvl1pPr algn="r">
+              <a:defRPr sz="1200"/>
+            </a:lvl1pPr>
+          </a:lstStyle>
+          <a:p>
+            <a:fld id="{62F58780-8EA6-2148-A505-B8E6B74B28D2}" type="slidenum">
+              <a:rPr lang="en-US" smtClean="0"/>
+              <a:t>‹#›</a:t>
+            </a:fld>
+            <a:endParaRPr lang="en-US"/>
+          </a:p>
+        </p:txBody>
+      </p:sp>
+    </p:spTree>
+    <p:extLst>
+      <p:ext uri="{BB962C8B-B14F-4D97-AF65-F5344CB8AC3E}">
+        <p14:creationId xmlns:p14="http://schemas.microsoft.com/office/powerpoint/2010/main" val="3641384193"/>
+      </p:ext>
+    </p:extLst>
+  </p:cSld>
+  <p:clrMap bg1="lt1" tx1="dk1" bg2="lt2" tx2="dk2" accent1="accent1" accent2="accent2" accent3="accent3" accent4="accent4" accent5="accent5" accent6="accent6" hlink="hlink" folHlink="folHlink"/>
+  <p:notesStyle>
+    <a:lvl1pPr marL="0" algn="l" defTabSz="914400" rtl="0" eaLnBrk="1" latinLnBrk="0" hangingPunct="1">
+      <a:defRPr sz="1200" kern="1200">
+        <a:solidFill>
+          <a:schemeClr val="tx1"/>
+        </a:solidFill>
+        <a:latin typeface="+mn-lt"/>
+        <a:ea typeface="+mn-ea"/>
+        <a:cs typeface="+mn-cs"/>
+      </a:defRPr>
+    </a:lvl1pPr>
+    <a:lvl2pPr marL="457200" algn="l" defTabSz="914400" rtl="0" eaLnBrk="1" latinLnBrk="0" hangingPunct="1">
+      <a:defRPr sz="1200" kern="1200">
+        <a:solidFill>
+          <a:schemeClr val="tx1"/>
+        </a:solidFill>
+        <a:latin typeface="+mn-lt"/>
+        <a:ea typeface="+mn-ea"/>
+        <a:cs typeface="+mn-cs"/>
+      </a:defRPr>
+    </a:lvl2pPr>
+    <a:lvl3pPr marL="914400" algn="l" defTabSz="914400" rtl="0" eaLnBrk="1" latinLnBrk="0" hangingPunct="1">
+      <a:defRPr sz="1200" kern="1200">
+        <a:solidFill>
+          <a:schemeClr val="tx1"/>
+        </a:solidFill>
+        <a:latin typeface="+mn-lt"/>
+        <a:ea typeface="+mn-ea"/>
+        <a:cs typeface="+mn-cs"/>
+      </a:defRPr>
+    </a:lvl3pPr>
+    <a:lvl4pPr marL="1371600" algn="l" defTabSz="914400" rtl="0" eaLnBrk="1" latinLnBrk="0" hangingPunct="1">
+      <a:defRPr sz="1200" kern="1200">
+        <a:solidFill>
+          <a:schemeClr val="tx1"/>
+        </a:solidFill>
+        <a:latin typeface="+mn-lt"/>
+        <a:ea typeface="+mn-ea"/>
+        <a:cs typeface="+mn-cs"/>
+      </a:defRPr>
+    </a:lvl4pPr>
+    <a:lvl5pPr marL="1828800" algn="l" defTabSz="914400" rtl="0" eaLnBrk="1" latinLnBrk="0" hangingPunct="1">
+      <a:defRPr sz="1200" kern="1200">
+        <a:solidFill>
+          <a:schemeClr val="tx1"/>
+        </a:solidFill>
+        <a:latin typeface="+mn-lt"/>
+        <a:ea typeface="+mn-ea"/>
+        <a:cs typeface="+mn-cs"/>
+      </a:defRPr>
+    </a:lvl5pPr>
+    <a:lvl6pPr marL="2286000" algn="l" defTabSz="914400" rtl="0" eaLnBrk="1" latinLnBrk="0" hangingPunct="1">
+      <a:defRPr sz="1200" kern="1200">
+        <a:solidFill>
+          <a:schemeClr val="tx1"/>
+        </a:solidFill>
+        <a:latin typeface="+mn-lt"/>
+        <a:ea typeface="+mn-ea"/>
+        <a:cs typeface="+mn-cs"/>
+      </a:defRPr>
+    </a:lvl6pPr>
+    <a:lvl7pPr marL="2743200" algn="l" defTabSz="914400" rtl="0" eaLnBrk="1" latinLnBrk="0" hangingPunct="1">
+      <a:defRPr sz="1200" kern="1200">
+        <a:solidFill>
+          <a:schemeClr val="tx1"/>
+        </a:solidFill>
+        <a:latin typeface="+mn-lt"/>
+        <a:ea typeface="+mn-ea"/>
+        <a:cs typeface="+mn-cs"/>
+      </a:defRPr>
+    </a:lvl7pPr>
+    <a:lvl8pPr marL="3200400" algn="l" defTabSz="914400" rtl="0" eaLnBrk="1" latinLnBrk="0" hangingPunct="1">
+      <a:defRPr sz="1200" kern="1200">
+        <a:solidFill>
+          <a:schemeClr val="tx1"/>
+        </a:solidFill>
+        <a:latin typeface="+mn-lt"/>
+        <a:ea typeface="+mn-ea"/>
+        <a:cs typeface="+mn-cs"/>
+      </a:defRPr>
+    </a:lvl8pPr>
+    <a:lvl9pPr marL="3657600" algn="l" defTabSz="914400" rtl="0" eaLnBrk="1" latinLnBrk="0" hangingPunct="1">
+      <a:defRPr sz="1200" kern="1200">
+        <a:solidFill>
+          <a:schemeClr val="tx1"/>
+        </a:solidFill>
+        <a:latin typeface="+mn-lt"/>
+        <a:ea typeface="+mn-ea"/>
+        <a:cs typeface="+mn-cs"/>
+      </a:defRPr>
+    </a:lvl9pPr>
+  </p:notesStyle>
+</p:notesMaster>
+</file>
+
+<file path=ppt/notesSlides/notesSlide1.xml><?xml version="1.0" encoding="utf-8"?>
+<p:notes xmlns:a="http://schemas.openxmlformats.org/drawingml/2006/main" xmlns:r="http://schemas.openxmlformats.org/officeDocument/2006/relationships" xmlns:p="http://schemas.openxmlformats.org/presentationml/2006/main">
+  <p:cSld>
+    <p:spTree>
+      <p:nvGrpSpPr>
+        <p:cNvPr id="1" name=""/>
+        <p:cNvGrpSpPr/>
+        <p:nvPr/>
+      </p:nvGrpSpPr>
+      <p:grpSpPr>
+        <a:xfrm>
+          <a:off x="0" y="0"/>
+          <a:ext cx="0" cy="0"/>
+          <a:chOff x="0" y="0"/>
+          <a:chExt cx="0" cy="0"/>
+        </a:xfrm>
+      </p:grpSpPr>
+      <p:sp>
+        <p:nvSpPr>
+          <p:cNvPr id="2" name="Slide Image Placeholder 1"/>
+          <p:cNvSpPr>
+            <a:spLocks noGrp="1" noRot="1" noChangeAspect="1"/>
+          </p:cNvSpPr>
+          <p:nvPr>
+            <p:ph type="sldImg"/>
+          </p:nvPr>
+        </p:nvSpPr>
+        <p:spPr/>
+      </p:sp>
+      <p:sp>
+        <p:nvSpPr>
+          <p:cNvPr id="3" name="Notes Placeholder 2"/>
+          <p:cNvSpPr>
+            <a:spLocks noGrp="1"/>
+          </p:cNvSpPr>
+          <p:nvPr>
+            <p:ph type="body" idx="1"/>
+          </p:nvPr>
+        </p:nvSpPr>
+        <p:spPr/>
+        <p:txBody>
+          <a:bodyPr/>
+          <a:lstStyle/>
+          <a:p>
+            <a:endParaRPr lang="en-US"/>
+          </a:p>
+        </p:txBody>
+      </p:sp>
+      <p:sp>
+        <p:nvSpPr>
+          <p:cNvPr id="4" name="Slide Number Placeholder 3"/>
+          <p:cNvSpPr>
+            <a:spLocks noGrp="1"/>
+          </p:cNvSpPr>
+          <p:nvPr>
+            <p:ph type="sldNum" sz="quarter" idx="5"/>
+          </p:nvPr>
+        </p:nvSpPr>
+        <p:spPr/>
+        <p:txBody>
+          <a:bodyPr/>
+          <a:lstStyle/>
+          <a:p>
+            <a:fld id="{62F58780-8EA6-2148-A505-B8E6B74B28D2}" type="slidenum">
+              <a:rPr lang="en-US" smtClean="0"/>
+              <a:t>1</a:t>
+            </a:fld>
+            <a:endParaRPr lang="en-US"/>
+          </a:p>
+        </p:txBody>
+      </p:sp>
+    </p:spTree>
+    <p:extLst>
+      <p:ext uri="{BB962C8B-B14F-4D97-AF65-F5344CB8AC3E}">
+        <p14:creationId xmlns:p14="http://schemas.microsoft.com/office/powerpoint/2010/main" val="3799330441"/>
+      </p:ext>
+    </p:extLst>
+  </p:cSld>
+  <p:clrMapOvr>
+    <a:masterClrMapping/>
+  </p:clrMapOvr>
+</p:notes>
+</file>
+
 <file path=ppt/slideLayouts/slideLayout1.xml><?xml version="1.0" encoding="utf-8"?>
 <p:sldLayout xmlns:a="http://schemas.openxmlformats.org/drawingml/2006/main" xmlns:r="http://schemas.openxmlformats.org/officeDocument/2006/relationships" xmlns:p="http://schemas.openxmlformats.org/presentationml/2006/main" type="title" preserve="1">
   <p:cSld name="Title Slide">
@@ -8527,7 +8967,7 @@
           <a:p>
             <a:fld id="{7EFA02A7-337A-CC41-A717-74E30A175FF5}" type="datetimeFigureOut">
               <a:rPr lang="en-US" smtClean="0"/>
-              <a:t>5/28/19</a:t>
+              <a:t>6/6/19</a:t>
             </a:fld>
             <a:endParaRPr lang="en-US"/>
           </a:p>
@@ -8725,7 +9165,7 @@
           <a:p>
             <a:fld id="{7EFA02A7-337A-CC41-A717-74E30A175FF5}" type="datetimeFigureOut">
               <a:rPr lang="en-US" smtClean="0"/>
-              <a:t>5/28/19</a:t>
+              <a:t>6/6/19</a:t>
             </a:fld>
             <a:endParaRPr lang="en-US"/>
           </a:p>
@@ -8933,7 +9373,7 @@
           <a:p>
             <a:fld id="{7EFA02A7-337A-CC41-A717-74E30A175FF5}" type="datetimeFigureOut">
               <a:rPr lang="en-US" smtClean="0"/>
-              <a:t>5/28/19</a:t>
+              <a:t>6/6/19</a:t>
             </a:fld>
             <a:endParaRPr lang="en-US"/>
           </a:p>
@@ -9131,7 +9571,7 @@
           <a:p>
             <a:fld id="{7EFA02A7-337A-CC41-A717-74E30A175FF5}" type="datetimeFigureOut">
               <a:rPr lang="en-US" smtClean="0"/>
-              <a:t>5/28/19</a:t>
+              <a:t>6/6/19</a:t>
             </a:fld>
             <a:endParaRPr lang="en-US"/>
           </a:p>
@@ -9406,7 +9846,7 @@
           <a:p>
             <a:fld id="{7EFA02A7-337A-CC41-A717-74E30A175FF5}" type="datetimeFigureOut">
               <a:rPr lang="en-US" smtClean="0"/>
-              <a:t>5/28/19</a:t>
+              <a:t>6/6/19</a:t>
             </a:fld>
             <a:endParaRPr lang="en-US"/>
           </a:p>
@@ -9671,7 +10111,7 @@
           <a:p>
             <a:fld id="{7EFA02A7-337A-CC41-A717-74E30A175FF5}" type="datetimeFigureOut">
               <a:rPr lang="en-US" smtClean="0"/>
-              <a:t>5/28/19</a:t>
+              <a:t>6/6/19</a:t>
             </a:fld>
             <a:endParaRPr lang="en-US"/>
           </a:p>
@@ -10083,7 +10523,7 @@
           <a:p>
             <a:fld id="{7EFA02A7-337A-CC41-A717-74E30A175FF5}" type="datetimeFigureOut">
               <a:rPr lang="en-US" smtClean="0"/>
-              <a:t>5/28/19</a:t>
+              <a:t>6/6/19</a:t>
             </a:fld>
             <a:endParaRPr lang="en-US"/>
           </a:p>
@@ -10224,7 +10664,7 @@
           <a:p>
             <a:fld id="{7EFA02A7-337A-CC41-A717-74E30A175FF5}" type="datetimeFigureOut">
               <a:rPr lang="en-US" smtClean="0"/>
-              <a:t>5/28/19</a:t>
+              <a:t>6/6/19</a:t>
             </a:fld>
             <a:endParaRPr lang="en-US"/>
           </a:p>
@@ -10337,7 +10777,7 @@
           <a:p>
             <a:fld id="{7EFA02A7-337A-CC41-A717-74E30A175FF5}" type="datetimeFigureOut">
               <a:rPr lang="en-US" smtClean="0"/>
-              <a:t>5/28/19</a:t>
+              <a:t>6/6/19</a:t>
             </a:fld>
             <a:endParaRPr lang="en-US"/>
           </a:p>
@@ -10648,7 +11088,7 @@
           <a:p>
             <a:fld id="{7EFA02A7-337A-CC41-A717-74E30A175FF5}" type="datetimeFigureOut">
               <a:rPr lang="en-US" smtClean="0"/>
-              <a:t>5/28/19</a:t>
+              <a:t>6/6/19</a:t>
             </a:fld>
             <a:endParaRPr lang="en-US"/>
           </a:p>
@@ -10936,7 +11376,7 @@
           <a:p>
             <a:fld id="{7EFA02A7-337A-CC41-A717-74E30A175FF5}" type="datetimeFigureOut">
               <a:rPr lang="en-US" smtClean="0"/>
-              <a:t>5/28/19</a:t>
+              <a:t>6/6/19</a:t>
             </a:fld>
             <a:endParaRPr lang="en-US"/>
           </a:p>
@@ -11177,7 +11617,7 @@
           <a:p>
             <a:fld id="{7EFA02A7-337A-CC41-A717-74E30A175FF5}" type="datetimeFigureOut">
               <a:rPr lang="en-US" smtClean="0"/>
-              <a:t>5/28/19</a:t>
+              <a:t>6/6/19</a:t>
             </a:fld>
             <a:endParaRPr lang="en-US"/>
           </a:p>
@@ -11879,7 +12319,7 @@
           <a:lstStyle/>
           <a:p>
             <a:r>
-              <a:rPr lang="en-US" sz="3100">
+              <a:rPr lang="en-US" sz="3100" dirty="0">
                 <a:solidFill>
                   <a:schemeClr val="bg2"/>
                 </a:solidFill>
@@ -11887,13 +12327,13 @@
               <a:t>How IBM Watson Overpromised and Underdelivered on AI Health Care</a:t>
             </a:r>
             <a:br>
-              <a:rPr lang="en-US" sz="3100">
+              <a:rPr lang="en-US" sz="3100" dirty="0">
                 <a:solidFill>
                   <a:schemeClr val="bg2"/>
                 </a:solidFill>
               </a:rPr>
             </a:br>
-            <a:endParaRPr lang="en-US" sz="3100">
+            <a:endParaRPr lang="en-US" sz="3100" dirty="0">
               <a:solidFill>
                 <a:schemeClr val="bg2"/>
               </a:solidFill>
@@ -11901,6 +12341,44 @@
           </a:p>
         </p:txBody>
       </p:sp>
+      <p:pic>
+        <p:nvPicPr>
+          <p:cNvPr id="4" name="Audio 3">
+            <a:hlinkClick r:id="" action="ppaction://media"/>
+            <a:extLst>
+              <a:ext uri="{FF2B5EF4-FFF2-40B4-BE49-F238E27FC236}">
+                <a16:creationId xmlns:a16="http://schemas.microsoft.com/office/drawing/2014/main" id="{956AA37A-9D34-2F48-9651-EE3DB02D405E}"/>
+              </a:ext>
+            </a:extLst>
+          </p:cNvPr>
+          <p:cNvPicPr>
+            <a:picLocks noChangeAspect="1"/>
+          </p:cNvPicPr>
+          <p:nvPr>
+            <a:audioFile r:link="rId2"/>
+            <p:extLst>
+              <p:ext uri="{DAA4B4D4-6D71-4841-9C94-3DE7FCFB9230}">
+                <p14:media xmlns:p14="http://schemas.microsoft.com/office/powerpoint/2010/main" r:embed="rId1"/>
+              </p:ext>
+            </p:extLst>
+          </p:nvPr>
+        </p:nvPicPr>
+        <p:blipFill>
+          <a:blip r:embed="rId5"/>
+          <a:stretch>
+            <a:fillRect/>
+          </a:stretch>
+        </p:blipFill>
+        <p:spPr>
+          <a:xfrm>
+            <a:off x="11226800" y="5892800"/>
+            <a:ext cx="812800" cy="812800"/>
+          </a:xfrm>
+          <a:prstGeom prst="rect">
+            <a:avLst/>
+          </a:prstGeom>
+        </p:spPr>
+      </p:pic>
     </p:spTree>
     <p:extLst>
       <p:ext uri="{BB962C8B-B14F-4D97-AF65-F5344CB8AC3E}">
@@ -11911,6 +12389,101 @@
   <p:clrMapOvr>
     <a:overrideClrMapping bg1="dk1" tx1="lt1" bg2="dk2" tx2="lt2" accent1="accent1" accent2="accent2" accent3="accent3" accent4="accent4" accent5="accent5" accent6="accent6" hlink="hlink" folHlink="folHlink"/>
   </p:clrMapOvr>
+  <mc:AlternateContent xmlns:mc="http://schemas.openxmlformats.org/markup-compatibility/2006" xmlns:p14="http://schemas.microsoft.com/office/powerpoint/2010/main">
+    <mc:Choice Requires="p14">
+      <p:transition spd="slow" p14:dur="2000" advTm="2450"/>
+    </mc:Choice>
+    <mc:Fallback xmlns="">
+      <p:transition spd="slow" advTm="2450"/>
+    </mc:Fallback>
+  </mc:AlternateContent>
+  <p:timing>
+    <p:tnLst>
+      <p:par>
+        <p:cTn id="1" dur="indefinite" restart="never" nodeType="tmRoot">
+          <p:childTnLst>
+            <p:seq concurrent="1" nextAc="seek">
+              <p:cTn id="2" dur="indefinite" nodeType="mainSeq">
+                <p:childTnLst>
+                  <p:par>
+                    <p:cTn id="3" fill="hold">
+                      <p:stCondLst>
+                        <p:cond delay="indefinite"/>
+                        <p:cond evt="onBegin" delay="0">
+                          <p:tn val="2"/>
+                        </p:cond>
+                      </p:stCondLst>
+                      <p:childTnLst>
+                        <p:par>
+                          <p:cTn id="4" fill="hold">
+                            <p:stCondLst>
+                              <p:cond delay="0"/>
+                            </p:stCondLst>
+                            <p:childTnLst>
+                              <p:par>
+                                <p:cTn id="5" presetID="1" presetClass="mediacall" presetSubtype="0" fill="hold" nodeType="afterEffect">
+                                  <p:stCondLst>
+                                    <p:cond delay="0"/>
+                                  </p:stCondLst>
+                                  <p:childTnLst>
+                                    <p:cmd type="call" cmd="playFrom(0.0)">
+                                      <p:cBhvr>
+                                        <p:cTn id="6" dur="1" fill="hold"/>
+                                        <p:tgtEl>
+                                          <p:spTgt spid="4"/>
+                                        </p:tgtEl>
+                                      </p:cBhvr>
+                                    </p:cmd>
+                                  </p:childTnLst>
+                                </p:cTn>
+                              </p:par>
+                            </p:childTnLst>
+                          </p:cTn>
+                        </p:par>
+                      </p:childTnLst>
+                    </p:cTn>
+                  </p:par>
+                </p:childTnLst>
+              </p:cTn>
+              <p:prevCondLst>
+                <p:cond evt="onPrev" delay="0">
+                  <p:tgtEl>
+                    <p:sldTgt/>
+                  </p:tgtEl>
+                </p:cond>
+              </p:prevCondLst>
+              <p:nextCondLst>
+                <p:cond evt="onNext" delay="0">
+                  <p:tgtEl>
+                    <p:sldTgt/>
+                  </p:tgtEl>
+                </p:cond>
+              </p:nextCondLst>
+            </p:seq>
+            <p:audio isNarration="1">
+              <p:cMediaNode vol="80000" showWhenStopped="0">
+                <p:cTn id="7" fill="hold" display="0">
+                  <p:stCondLst>
+                    <p:cond delay="indefinite"/>
+                  </p:stCondLst>
+                  <p:endCondLst>
+                    <p:cond evt="onStopAudio" delay="0">
+                      <p:tgtEl>
+                        <p:sldTgt/>
+                      </p:tgtEl>
+                    </p:cond>
+                  </p:endCondLst>
+                </p:cTn>
+                <p:tgtEl>
+                  <p:spTgt spid="4"/>
+                </p:tgtEl>
+              </p:cMediaNode>
+            </p:audio>
+          </p:childTnLst>
+        </p:cTn>
+      </p:par>
+    </p:tnLst>
+  </p:timing>
 </p:sld>
 </file>
 
@@ -12328,304 +12901,6 @@
           <p:cNvPr id="2" name="Title 1">
             <a:extLst>
               <a:ext uri="{FF2B5EF4-FFF2-40B4-BE49-F238E27FC236}">
-                <a16:creationId xmlns:a16="http://schemas.microsoft.com/office/drawing/2014/main" id="{AC11B97F-FA96-D845-807B-5D07D5BC337E}"/>
-              </a:ext>
-            </a:extLst>
-          </p:cNvPr>
-          <p:cNvSpPr>
-            <a:spLocks noGrp="1"/>
-          </p:cNvSpPr>
-          <p:nvPr>
-            <p:ph type="title"/>
-          </p:nvPr>
-        </p:nvSpPr>
-        <p:spPr>
-          <a:xfrm>
-            <a:off x="1179226" y="826680"/>
-            <a:ext cx="9833548" cy="1325563"/>
-          </a:xfrm>
-        </p:spPr>
-        <p:txBody>
-          <a:bodyPr>
-            <a:normAutofit/>
-          </a:bodyPr>
-          <a:lstStyle/>
-          <a:p>
-            <a:pPr algn="ctr"/>
-            <a:r>
-              <a:rPr lang="en-US" sz="4000">
-                <a:solidFill>
-                  <a:srgbClr val="FFFFFF"/>
-                </a:solidFill>
-              </a:rPr>
-              <a:t>More success outside of the US</a:t>
-            </a:r>
-          </a:p>
-        </p:txBody>
-      </p:sp>
-      <p:sp>
-        <p:nvSpPr>
-          <p:cNvPr id="3" name="Content Placeholder 2">
-            <a:extLst>
-              <a:ext uri="{FF2B5EF4-FFF2-40B4-BE49-F238E27FC236}">
-                <a16:creationId xmlns:a16="http://schemas.microsoft.com/office/drawing/2014/main" id="{67F1EDCE-0DDD-A847-9C1F-9C5B3DAD8474}"/>
-              </a:ext>
-            </a:extLst>
-          </p:cNvPr>
-          <p:cNvSpPr>
-            <a:spLocks noGrp="1"/>
-          </p:cNvSpPr>
-          <p:nvPr>
-            <p:ph idx="1"/>
-          </p:nvPr>
-        </p:nvSpPr>
-        <p:spPr>
-          <a:xfrm>
-            <a:off x="1179226" y="3092970"/>
-            <a:ext cx="9833548" cy="2693976"/>
-          </a:xfrm>
-        </p:spPr>
-        <p:txBody>
-          <a:bodyPr>
-            <a:normAutofit/>
-          </a:bodyPr>
-          <a:lstStyle/>
-          <a:p>
-            <a:r>
-              <a:rPr lang="en-US" sz="2000">
-                <a:solidFill>
-                  <a:srgbClr val="000000"/>
-                </a:solidFill>
-              </a:rPr>
-              <a:t>In India, physicians at the Manipal Comprehensive Cancer Center </a:t>
-            </a:r>
-            <a:r>
-              <a:rPr lang="en-US" sz="2000" u="sng">
-                <a:solidFill>
-                  <a:srgbClr val="000000"/>
-                </a:solidFill>
-                <a:hlinkClick r:id="rId3"/>
-              </a:rPr>
-              <a:t>evaluated Watson on 638 breast cancer cases</a:t>
-            </a:r>
-            <a:r>
-              <a:rPr lang="en-US" sz="2000">
-                <a:solidFill>
-                  <a:srgbClr val="000000"/>
-                </a:solidFill>
-              </a:rPr>
-              <a:t> and found a 73 percent concordance rate in treatment recommendations; its score was brought down by poor performance on metastatic breast cancer.</a:t>
-            </a:r>
-          </a:p>
-          <a:p>
-            <a:endParaRPr lang="en-US" sz="2000">
-              <a:solidFill>
-                <a:srgbClr val="000000"/>
-              </a:solidFill>
-            </a:endParaRPr>
-          </a:p>
-          <a:p>
-            <a:r>
-              <a:rPr lang="en-US" sz="2000">
-                <a:solidFill>
-                  <a:srgbClr val="000000"/>
-                </a:solidFill>
-              </a:rPr>
-              <a:t> Watson fared worse at Gachon University Gil Medical Center, in South Korea, where its </a:t>
-            </a:r>
-            <a:r>
-              <a:rPr lang="en-US" sz="2000" u="sng">
-                <a:solidFill>
-                  <a:srgbClr val="000000"/>
-                </a:solidFill>
-                <a:hlinkClick r:id="rId4"/>
-              </a:rPr>
-              <a:t>top recommendations for 656 colon cancer patients</a:t>
-            </a:r>
-            <a:r>
-              <a:rPr lang="en-US" sz="2000">
-                <a:solidFill>
-                  <a:srgbClr val="000000"/>
-                </a:solidFill>
-              </a:rPr>
-              <a:t> matched those of the experts only 49 percent of the time. </a:t>
-            </a:r>
-          </a:p>
-        </p:txBody>
-      </p:sp>
-    </p:spTree>
-    <p:extLst>
-      <p:ext uri="{BB962C8B-B14F-4D97-AF65-F5344CB8AC3E}">
-        <p14:creationId xmlns:p14="http://schemas.microsoft.com/office/powerpoint/2010/main" val="3943364429"/>
-      </p:ext>
-    </p:extLst>
-  </p:cSld>
-  <p:clrMapOvr>
-    <a:masterClrMapping/>
-  </p:clrMapOvr>
-</p:sld>
-</file>
-
-<file path=ppt/slides/slide12.xml><?xml version="1.0" encoding="utf-8"?>
-<p:sld xmlns:a="http://schemas.openxmlformats.org/drawingml/2006/main" xmlns:r="http://schemas.openxmlformats.org/officeDocument/2006/relationships" xmlns:p="http://schemas.openxmlformats.org/presentationml/2006/main">
-  <p:cSld>
-    <p:bg>
-      <p:bgPr>
-        <a:solidFill>
-          <a:schemeClr val="bg1"/>
-        </a:solidFill>
-        <a:effectLst/>
-      </p:bgPr>
-    </p:bg>
-    <p:spTree>
-      <p:nvGrpSpPr>
-        <p:cNvPr id="1" name=""/>
-        <p:cNvGrpSpPr/>
-        <p:nvPr/>
-      </p:nvGrpSpPr>
-      <p:grpSpPr>
-        <a:xfrm>
-          <a:off x="0" y="0"/>
-          <a:ext cx="0" cy="0"/>
-          <a:chOff x="0" y="0"/>
-          <a:chExt cx="0" cy="0"/>
-        </a:xfrm>
-      </p:grpSpPr>
-      <p:sp>
-        <p:nvSpPr>
-          <p:cNvPr id="8" name="Rectangle 7">
-            <a:extLst>
-              <a:ext uri="{FF2B5EF4-FFF2-40B4-BE49-F238E27FC236}">
-                <a16:creationId xmlns:a16="http://schemas.microsoft.com/office/drawing/2014/main" id="{4351DFE5-F63D-4BE0-BDA9-E3EB88F01AA5}"/>
-              </a:ext>
-              <a:ext uri="{C183D7F6-B498-43B3-948B-1728B52AA6E4}">
-                <adec:decorative xmlns:adec="http://schemas.microsoft.com/office/drawing/2017/decorative" val="1"/>
-              </a:ext>
-            </a:extLst>
-          </p:cNvPr>
-          <p:cNvSpPr>
-            <a:spLocks noGrp="1" noRot="1" noChangeAspect="1" noMove="1" noResize="1" noEditPoints="1" noAdjustHandles="1" noChangeArrowheads="1" noChangeShapeType="1" noTextEdit="1"/>
-          </p:cNvSpPr>
-          <p:nvPr>
-            <p:extLst>
-              <p:ext uri="{386F3935-93C4-4BCD-93E2-E3B085C9AB24}">
-                <p16:designElem xmlns:p16="http://schemas.microsoft.com/office/powerpoint/2015/main" val="1"/>
-              </p:ext>
-            </p:extLst>
-          </p:nvPr>
-        </p:nvSpPr>
-        <p:spPr>
-          <a:xfrm>
-            <a:off x="355601" y="0"/>
-            <a:ext cx="11480494" cy="2753936"/>
-          </a:xfrm>
-          <a:prstGeom prst="rect">
-            <a:avLst/>
-          </a:prstGeom>
-          <a:gradFill>
-            <a:gsLst>
-              <a:gs pos="0">
-                <a:schemeClr val="accent1">
-                  <a:lumMod val="90000"/>
-                </a:schemeClr>
-              </a:gs>
-              <a:gs pos="25000">
-                <a:schemeClr val="accent1">
-                  <a:lumMod val="90000"/>
-                </a:schemeClr>
-              </a:gs>
-              <a:gs pos="94000">
-                <a:schemeClr val="bg2">
-                  <a:lumMod val="25000"/>
-                </a:schemeClr>
-              </a:gs>
-              <a:gs pos="100000">
-                <a:schemeClr val="bg2">
-                  <a:lumMod val="25000"/>
-                </a:schemeClr>
-              </a:gs>
-            </a:gsLst>
-            <a:lin ang="4200000" scaled="0"/>
-          </a:gradFill>
-          <a:ln>
-            <a:noFill/>
-          </a:ln>
-        </p:spPr>
-        <p:style>
-          <a:lnRef idx="2">
-            <a:schemeClr val="accent1">
-              <a:shade val="50000"/>
-            </a:schemeClr>
-          </a:lnRef>
-          <a:fillRef idx="1">
-            <a:schemeClr val="accent1"/>
-          </a:fillRef>
-          <a:effectRef idx="0">
-            <a:schemeClr val="accent1"/>
-          </a:effectRef>
-          <a:fontRef idx="minor">
-            <a:schemeClr val="lt1"/>
-          </a:fontRef>
-        </p:style>
-        <p:txBody>
-          <a:bodyPr rtlCol="0" anchor="ctr"/>
-          <a:lstStyle/>
-          <a:p>
-            <a:pPr algn="ctr"/>
-            <a:endParaRPr lang="en-US"/>
-          </a:p>
-        </p:txBody>
-      </p:sp>
-      <p:pic>
-        <p:nvPicPr>
-          <p:cNvPr id="10" name="Picture 9">
-            <a:extLst>
-              <a:ext uri="{FF2B5EF4-FFF2-40B4-BE49-F238E27FC236}">
-                <a16:creationId xmlns:a16="http://schemas.microsoft.com/office/drawing/2014/main" id="{3AA16612-ACD2-4A16-8F2B-4514FD6BF28F}"/>
-              </a:ext>
-              <a:ext uri="{C183D7F6-B498-43B3-948B-1728B52AA6E4}">
-                <adec:decorative xmlns:adec="http://schemas.microsoft.com/office/drawing/2017/decorative" val="1"/>
-              </a:ext>
-            </a:extLst>
-          </p:cNvPr>
-          <p:cNvPicPr>
-            <a:picLocks noGrp="1" noRot="1" noChangeAspect="1" noMove="1" noResize="1" noEditPoints="1" noAdjustHandles="1" noChangeArrowheads="1" noChangeShapeType="1" noCrop="1"/>
-          </p:cNvPicPr>
-          <p:nvPr>
-            <p:extLst>
-              <p:ext uri="{386F3935-93C4-4BCD-93E2-E3B085C9AB24}">
-                <p16:designElem xmlns:p16="http://schemas.microsoft.com/office/powerpoint/2015/main" val="1"/>
-              </p:ext>
-            </p:extLst>
-          </p:nvPr>
-        </p:nvPicPr>
-        <p:blipFill>
-          <a:blip r:embed="rId2">
-            <a:extLst>
-              <a:ext uri="{28A0092B-C50C-407E-A947-70E740481C1C}">
-                <a14:useLocalDpi xmlns:a14="http://schemas.microsoft.com/office/drawing/2010/main" val="0"/>
-              </a:ext>
-            </a:extLst>
-          </a:blip>
-          <a:stretch>
-            <a:fillRect/>
-          </a:stretch>
-        </p:blipFill>
-        <p:spPr>
-          <a:xfrm>
-            <a:off x="0" y="0"/>
-            <a:ext cx="12192000" cy="6858000"/>
-          </a:xfrm>
-          <a:prstGeom prst="rect">
-            <a:avLst/>
-          </a:prstGeom>
-        </p:spPr>
-      </p:pic>
-      <p:sp>
-        <p:nvSpPr>
-          <p:cNvPr id="2" name="Title 1">
-            <a:extLst>
-              <a:ext uri="{FF2B5EF4-FFF2-40B4-BE49-F238E27FC236}">
                 <a16:creationId xmlns:a16="http://schemas.microsoft.com/office/drawing/2014/main" id="{26E20B3D-EA7F-0246-977A-9F5CF162406B}"/>
               </a:ext>
             </a:extLst>
@@ -12745,7 +13020,7 @@
           </a:p>
           <a:p>
             <a:r>
-              <a:rPr lang="en-US" sz="2000">
+              <a:rPr lang="en-US" sz="2000" dirty="0">
                 <a:solidFill>
                   <a:srgbClr val="000000"/>
                 </a:solidFill>
@@ -12754,7 +13029,7 @@
             </a:r>
           </a:p>
           <a:p>
-            <a:endParaRPr lang="en-US" sz="2000">
+            <a:endParaRPr lang="en-US" sz="2000" dirty="0">
               <a:solidFill>
                 <a:srgbClr val="000000"/>
               </a:solidFill>
@@ -12775,7 +13050,7 @@
 </p:sld>
 </file>
 
-<file path=ppt/slides/slide13.xml><?xml version="1.0" encoding="utf-8"?>
+<file path=ppt/slides/slide12.xml><?xml version="1.0" encoding="utf-8"?>
 <p:sld xmlns:a="http://schemas.openxmlformats.org/drawingml/2006/main" xmlns:r="http://schemas.openxmlformats.org/officeDocument/2006/relationships" xmlns:p="http://schemas.openxmlformats.org/presentationml/2006/main">
   <p:cSld>
     <p:bg>
@@ -13191,7 +13466,7 @@
           </p:nvPr>
         </p:nvPicPr>
         <p:blipFill>
-          <a:blip r:embed="rId2">
+          <a:blip r:embed="rId4">
             <a:extLst>
               <a:ext uri="{28A0092B-C50C-407E-A947-70E740481C1C}">
                 <a14:useLocalDpi xmlns:a14="http://schemas.microsoft.com/office/drawing/2010/main" val="0"/>
@@ -13279,10 +13554,48 @@
         </p:xfrm>
         <a:graphic>
           <a:graphicData uri="http://schemas.openxmlformats.org/drawingml/2006/diagram">
-            <dgm:relIds xmlns:dgm="http://schemas.openxmlformats.org/drawingml/2006/diagram" xmlns:r="http://schemas.openxmlformats.org/officeDocument/2006/relationships" r:dm="rId3" r:lo="rId4" r:qs="rId5" r:cs="rId6"/>
+            <dgm:relIds xmlns:dgm="http://schemas.openxmlformats.org/drawingml/2006/diagram" xmlns:r="http://schemas.openxmlformats.org/officeDocument/2006/relationships" r:dm="rId5" r:lo="rId6" r:qs="rId7" r:cs="rId8"/>
           </a:graphicData>
         </a:graphic>
       </p:graphicFrame>
+      <p:pic>
+        <p:nvPicPr>
+          <p:cNvPr id="3" name="Audio 2">
+            <a:hlinkClick r:id="" action="ppaction://media"/>
+            <a:extLst>
+              <a:ext uri="{FF2B5EF4-FFF2-40B4-BE49-F238E27FC236}">
+                <a16:creationId xmlns:a16="http://schemas.microsoft.com/office/drawing/2014/main" id="{297E2D39-8D36-6F45-BF90-FC424447FD82}"/>
+              </a:ext>
+            </a:extLst>
+          </p:cNvPr>
+          <p:cNvPicPr>
+            <a:picLocks noChangeAspect="1"/>
+          </p:cNvPicPr>
+          <p:nvPr>
+            <a:audioFile r:link="rId2"/>
+            <p:extLst>
+              <p:ext uri="{DAA4B4D4-6D71-4841-9C94-3DE7FCFB9230}">
+                <p14:media xmlns:p14="http://schemas.microsoft.com/office/powerpoint/2010/main" r:embed="rId1"/>
+              </p:ext>
+            </p:extLst>
+          </p:nvPr>
+        </p:nvPicPr>
+        <p:blipFill>
+          <a:blip r:embed="rId10"/>
+          <a:stretch>
+            <a:fillRect/>
+          </a:stretch>
+        </p:blipFill>
+        <p:spPr>
+          <a:xfrm>
+            <a:off x="11226800" y="5892800"/>
+            <a:ext cx="812800" cy="812800"/>
+          </a:xfrm>
+          <a:prstGeom prst="rect">
+            <a:avLst/>
+          </a:prstGeom>
+        </p:spPr>
+      </p:pic>
     </p:spTree>
     <p:extLst>
       <p:ext uri="{BB962C8B-B14F-4D97-AF65-F5344CB8AC3E}">
@@ -13293,6 +13606,101 @@
   <p:clrMapOvr>
     <a:masterClrMapping/>
   </p:clrMapOvr>
+  <mc:AlternateContent xmlns:mc="http://schemas.openxmlformats.org/markup-compatibility/2006" xmlns:p14="http://schemas.microsoft.com/office/powerpoint/2010/main">
+    <mc:Choice Requires="p14">
+      <p:transition spd="slow" p14:dur="2000" advTm="3779"/>
+    </mc:Choice>
+    <mc:Fallback xmlns="">
+      <p:transition spd="slow" advTm="3779"/>
+    </mc:Fallback>
+  </mc:AlternateContent>
+  <p:timing>
+    <p:tnLst>
+      <p:par>
+        <p:cTn id="1" dur="indefinite" restart="never" nodeType="tmRoot">
+          <p:childTnLst>
+            <p:seq concurrent="1" nextAc="seek">
+              <p:cTn id="2" dur="indefinite" nodeType="mainSeq">
+                <p:childTnLst>
+                  <p:par>
+                    <p:cTn id="3" fill="hold">
+                      <p:stCondLst>
+                        <p:cond delay="indefinite"/>
+                        <p:cond evt="onBegin" delay="0">
+                          <p:tn val="2"/>
+                        </p:cond>
+                      </p:stCondLst>
+                      <p:childTnLst>
+                        <p:par>
+                          <p:cTn id="4" fill="hold">
+                            <p:stCondLst>
+                              <p:cond delay="0"/>
+                            </p:stCondLst>
+                            <p:childTnLst>
+                              <p:par>
+                                <p:cTn id="5" presetID="1" presetClass="mediacall" presetSubtype="0" fill="hold" nodeType="afterEffect">
+                                  <p:stCondLst>
+                                    <p:cond delay="0"/>
+                                  </p:stCondLst>
+                                  <p:childTnLst>
+                                    <p:cmd type="call" cmd="playFrom(0.0)">
+                                      <p:cBhvr>
+                                        <p:cTn id="6" dur="1" fill="hold"/>
+                                        <p:tgtEl>
+                                          <p:spTgt spid="3"/>
+                                        </p:tgtEl>
+                                      </p:cBhvr>
+                                    </p:cmd>
+                                  </p:childTnLst>
+                                </p:cTn>
+                              </p:par>
+                            </p:childTnLst>
+                          </p:cTn>
+                        </p:par>
+                      </p:childTnLst>
+                    </p:cTn>
+                  </p:par>
+                </p:childTnLst>
+              </p:cTn>
+              <p:prevCondLst>
+                <p:cond evt="onPrev" delay="0">
+                  <p:tgtEl>
+                    <p:sldTgt/>
+                  </p:tgtEl>
+                </p:cond>
+              </p:prevCondLst>
+              <p:nextCondLst>
+                <p:cond evt="onNext" delay="0">
+                  <p:tgtEl>
+                    <p:sldTgt/>
+                  </p:tgtEl>
+                </p:cond>
+              </p:nextCondLst>
+            </p:seq>
+            <p:audio isNarration="1">
+              <p:cMediaNode vol="80000" showWhenStopped="0">
+                <p:cTn id="7" fill="hold" display="0">
+                  <p:stCondLst>
+                    <p:cond delay="indefinite"/>
+                  </p:stCondLst>
+                  <p:endCondLst>
+                    <p:cond evt="onStopAudio" delay="0">
+                      <p:tgtEl>
+                        <p:sldTgt/>
+                      </p:tgtEl>
+                    </p:cond>
+                  </p:endCondLst>
+                </p:cTn>
+                <p:tgtEl>
+                  <p:spTgt spid="3"/>
+                </p:tgtEl>
+              </p:cMediaNode>
+            </p:audio>
+          </p:childTnLst>
+        </p:cTn>
+      </p:par>
+    </p:tnLst>
+  </p:timing>
 </p:sld>
 </file>
 
@@ -13430,7 +13838,7 @@
           </p:nvPr>
         </p:nvPicPr>
         <p:blipFill>
-          <a:blip r:embed="rId2">
+          <a:blip r:embed="rId4">
             <a:extLst>
               <a:ext uri="{28A0092B-C50C-407E-A947-70E740481C1C}">
                 <a14:useLocalDpi xmlns:a14="http://schemas.microsoft.com/office/drawing/2010/main" val="0"/>
@@ -13549,7 +13957,7 @@
                 <a:solidFill>
                   <a:srgbClr val="000000"/>
                 </a:solidFill>
-                <a:hlinkClick r:id="rId3"/>
+                <a:hlinkClick r:id="rId5"/>
               </a:rPr>
               <a:t>IBM’s Watson Health</a:t>
             </a:r>
@@ -13564,6 +13972,44 @@
           </a:p>
         </p:txBody>
       </p:sp>
+      <p:pic>
+        <p:nvPicPr>
+          <p:cNvPr id="4" name="Audio 3">
+            <a:hlinkClick r:id="" action="ppaction://media"/>
+            <a:extLst>
+              <a:ext uri="{FF2B5EF4-FFF2-40B4-BE49-F238E27FC236}">
+                <a16:creationId xmlns:a16="http://schemas.microsoft.com/office/drawing/2014/main" id="{94351B02-019B-9145-970E-E2022FD79A2A}"/>
+              </a:ext>
+            </a:extLst>
+          </p:cNvPr>
+          <p:cNvPicPr>
+            <a:picLocks noChangeAspect="1"/>
+          </p:cNvPicPr>
+          <p:nvPr>
+            <a:audioFile r:link="rId2"/>
+            <p:extLst>
+              <p:ext uri="{DAA4B4D4-6D71-4841-9C94-3DE7FCFB9230}">
+                <p14:media xmlns:p14="http://schemas.microsoft.com/office/powerpoint/2010/main" r:embed="rId1"/>
+              </p:ext>
+            </p:extLst>
+          </p:nvPr>
+        </p:nvPicPr>
+        <p:blipFill>
+          <a:blip r:embed="rId6"/>
+          <a:stretch>
+            <a:fillRect/>
+          </a:stretch>
+        </p:blipFill>
+        <p:spPr>
+          <a:xfrm>
+            <a:off x="11226800" y="5892800"/>
+            <a:ext cx="812800" cy="812800"/>
+          </a:xfrm>
+          <a:prstGeom prst="rect">
+            <a:avLst/>
+          </a:prstGeom>
+        </p:spPr>
+      </p:pic>
     </p:spTree>
     <p:extLst>
       <p:ext uri="{BB962C8B-B14F-4D97-AF65-F5344CB8AC3E}">
@@ -13574,6 +14020,101 @@
   <p:clrMapOvr>
     <a:masterClrMapping/>
   </p:clrMapOvr>
+  <mc:AlternateContent xmlns:mc="http://schemas.openxmlformats.org/markup-compatibility/2006" xmlns:p14="http://schemas.microsoft.com/office/powerpoint/2010/main">
+    <mc:Choice Requires="p14">
+      <p:transition spd="slow" p14:dur="2000" advTm="2193"/>
+    </mc:Choice>
+    <mc:Fallback xmlns="">
+      <p:transition spd="slow" advTm="2193"/>
+    </mc:Fallback>
+  </mc:AlternateContent>
+  <p:timing>
+    <p:tnLst>
+      <p:par>
+        <p:cTn id="1" dur="indefinite" restart="never" nodeType="tmRoot">
+          <p:childTnLst>
+            <p:seq concurrent="1" nextAc="seek">
+              <p:cTn id="2" dur="indefinite" nodeType="mainSeq">
+                <p:childTnLst>
+                  <p:par>
+                    <p:cTn id="3" fill="hold">
+                      <p:stCondLst>
+                        <p:cond delay="indefinite"/>
+                        <p:cond evt="onBegin" delay="0">
+                          <p:tn val="2"/>
+                        </p:cond>
+                      </p:stCondLst>
+                      <p:childTnLst>
+                        <p:par>
+                          <p:cTn id="4" fill="hold">
+                            <p:stCondLst>
+                              <p:cond delay="0"/>
+                            </p:stCondLst>
+                            <p:childTnLst>
+                              <p:par>
+                                <p:cTn id="5" presetID="1" presetClass="mediacall" presetSubtype="0" fill="hold" nodeType="afterEffect">
+                                  <p:stCondLst>
+                                    <p:cond delay="0"/>
+                                  </p:stCondLst>
+                                  <p:childTnLst>
+                                    <p:cmd type="call" cmd="playFrom(0.0)">
+                                      <p:cBhvr>
+                                        <p:cTn id="6" dur="1" fill="hold"/>
+                                        <p:tgtEl>
+                                          <p:spTgt spid="4"/>
+                                        </p:tgtEl>
+                                      </p:cBhvr>
+                                    </p:cmd>
+                                  </p:childTnLst>
+                                </p:cTn>
+                              </p:par>
+                            </p:childTnLst>
+                          </p:cTn>
+                        </p:par>
+                      </p:childTnLst>
+                    </p:cTn>
+                  </p:par>
+                </p:childTnLst>
+              </p:cTn>
+              <p:prevCondLst>
+                <p:cond evt="onPrev" delay="0">
+                  <p:tgtEl>
+                    <p:sldTgt/>
+                  </p:tgtEl>
+                </p:cond>
+              </p:prevCondLst>
+              <p:nextCondLst>
+                <p:cond evt="onNext" delay="0">
+                  <p:tgtEl>
+                    <p:sldTgt/>
+                  </p:tgtEl>
+                </p:cond>
+              </p:nextCondLst>
+            </p:seq>
+            <p:audio isNarration="1">
+              <p:cMediaNode vol="80000" showWhenStopped="0">
+                <p:cTn id="7" fill="hold" display="0">
+                  <p:stCondLst>
+                    <p:cond delay="indefinite"/>
+                  </p:stCondLst>
+                  <p:endCondLst>
+                    <p:cond evt="onStopAudio" delay="0">
+                      <p:tgtEl>
+                        <p:sldTgt/>
+                      </p:tgtEl>
+                    </p:cond>
+                  </p:endCondLst>
+                </p:cTn>
+                <p:tgtEl>
+                  <p:spTgt spid="4"/>
+                </p:tgtEl>
+              </p:cMediaNode>
+            </p:audio>
+          </p:childTnLst>
+        </p:cTn>
+      </p:par>
+    </p:tnLst>
+  </p:timing>
 </p:sld>
 </file>
 
@@ -14758,16 +15299,16 @@
           <a:lstStyle/>
           <a:p>
             <a:r>
-              <a:rPr lang="en-US" sz="2000">
+              <a:rPr lang="en-US" sz="2000" dirty="0">
                 <a:solidFill>
                   <a:srgbClr val="000000"/>
                 </a:solidFill>
               </a:rPr>
-              <a:t>In many attempted applications, Watson’s NLP struggled to make s</a:t>
+              <a:t>In many attempted applications, Watson’s NLP struggled to make valuable knowledge</a:t>
             </a:r>
           </a:p>
           <a:p>
-            <a:endParaRPr lang="en-US" sz="2000">
+            <a:endParaRPr lang="en-US" sz="2000" dirty="0">
               <a:solidFill>
                 <a:srgbClr val="000000"/>
               </a:solidFill>
@@ -14775,7 +15316,7 @@
           </a:p>
           <a:p>
             <a:r>
-              <a:rPr lang="en-US" sz="2000">
+              <a:rPr lang="en-US" sz="2000" dirty="0">
                 <a:solidFill>
                   <a:srgbClr val="000000"/>
                 </a:solidFill>
@@ -14784,7 +15325,7 @@
             </a:r>
           </a:p>
           <a:p>
-            <a:endParaRPr lang="en-US" sz="2000">
+            <a:endParaRPr lang="en-US" sz="2000" dirty="0">
               <a:solidFill>
                 <a:srgbClr val="000000"/>
               </a:solidFill>
@@ -14792,12 +15333,12 @@
           </a:p>
           <a:p>
             <a:r>
-              <a:rPr lang="en-US" sz="2000">
+              <a:rPr lang="en-US" sz="2000" dirty="0">
                 <a:solidFill>
                   <a:srgbClr val="000000"/>
                 </a:solidFill>
               </a:rPr>
-              <a:t>But it proved impossible to teach Watson to read the articles the way a doctor would.ense of medical text—as have many other AI systems. </a:t>
+              <a:t>But it proved impossible to teach Watson to read the articles the way a doctor would learn from the medical journal.</a:t>
             </a:r>
           </a:p>
         </p:txBody>
@@ -15367,4 +15908,299 @@
     </a:ext>
   </a:extLst>
 </a:theme>
+</file>
+
+<file path=ppt/theme/theme2.xml><?xml version="1.0" encoding="utf-8"?>
+<a:theme xmlns:a="http://schemas.openxmlformats.org/drawingml/2006/main" name="Office Theme">
+  <a:themeElements>
+    <a:clrScheme name="Office">
+      <a:dk1>
+        <a:sysClr val="windowText" lastClr="000000"/>
+      </a:dk1>
+      <a:lt1>
+        <a:sysClr val="window" lastClr="FFFFFF"/>
+      </a:lt1>
+      <a:dk2>
+        <a:srgbClr val="44546A"/>
+      </a:dk2>
+      <a:lt2>
+        <a:srgbClr val="E7E6E6"/>
+      </a:lt2>
+      <a:accent1>
+        <a:srgbClr val="4472C4"/>
+      </a:accent1>
+      <a:accent2>
+        <a:srgbClr val="ED7D31"/>
+      </a:accent2>
+      <a:accent3>
+        <a:srgbClr val="A5A5A5"/>
+      </a:accent3>
+      <a:accent4>
+        <a:srgbClr val="FFC000"/>
+      </a:accent4>
+      <a:accent5>
+        <a:srgbClr val="5B9BD5"/>
+      </a:accent5>
+      <a:accent6>
+        <a:srgbClr val="70AD47"/>
+      </a:accent6>
+      <a:hlink>
+        <a:srgbClr val="0563C1"/>
+      </a:hlink>
+      <a:folHlink>
+        <a:srgbClr val="954F72"/>
+      </a:folHlink>
+    </a:clrScheme>
+    <a:fontScheme name="Office">
+      <a:majorFont>
+        <a:latin typeface="Calibri Light" panose="020F0302020204030204"/>
+        <a:ea typeface=""/>
+        <a:cs typeface=""/>
+        <a:font script="Jpan" typeface="游ゴシック Light"/>
+        <a:font script="Hang" typeface="맑은 고딕"/>
+        <a:font script="Hans" typeface="等线 Light"/>
+        <a:font script="Hant" typeface="新細明體"/>
+        <a:font script="Arab" typeface="Times New Roman"/>
+        <a:font script="Hebr" typeface="Times New Roman"/>
+        <a:font script="Thai" typeface="Angsana New"/>
+        <a:font script="Ethi" typeface="Nyala"/>
+        <a:font script="Beng" typeface="Vrinda"/>
+        <a:font script="Gujr" typeface="Shruti"/>
+        <a:font script="Khmr" typeface="MoolBoran"/>
+        <a:font script="Knda" typeface="Tunga"/>
+        <a:font script="Guru" typeface="Raavi"/>
+        <a:font script="Cans" typeface="Euphemia"/>
+        <a:font script="Cher" typeface="Plantagenet Cherokee"/>
+        <a:font script="Yiii" typeface="Microsoft Yi Baiti"/>
+        <a:font script="Tibt" typeface="Microsoft Himalaya"/>
+        <a:font script="Thaa" typeface="MV Boli"/>
+        <a:font script="Deva" typeface="Mangal"/>
+        <a:font script="Telu" typeface="Gautami"/>
+        <a:font script="Taml" typeface="Latha"/>
+        <a:font script="Syrc" typeface="Estrangelo Edessa"/>
+        <a:font script="Orya" typeface="Kalinga"/>
+        <a:font script="Mlym" typeface="Kartika"/>
+        <a:font script="Laoo" typeface="DokChampa"/>
+        <a:font script="Sinh" typeface="Iskoola Pota"/>
+        <a:font script="Mong" typeface="Mongolian Baiti"/>
+        <a:font script="Viet" typeface="Times New Roman"/>
+        <a:font script="Uigh" typeface="Microsoft Uighur"/>
+        <a:font script="Geor" typeface="Sylfaen"/>
+        <a:font script="Armn" typeface="Arial"/>
+        <a:font script="Bugi" typeface="Leelawadee UI"/>
+        <a:font script="Bopo" typeface="Microsoft JhengHei"/>
+        <a:font script="Java" typeface="Javanese Text"/>
+        <a:font script="Lisu" typeface="Segoe UI"/>
+        <a:font script="Mymr" typeface="Myanmar Text"/>
+        <a:font script="Nkoo" typeface="Ebrima"/>
+        <a:font script="Olck" typeface="Nirmala UI"/>
+        <a:font script="Osma" typeface="Ebrima"/>
+        <a:font script="Phag" typeface="Phagspa"/>
+        <a:font script="Syrn" typeface="Estrangelo Edessa"/>
+        <a:font script="Syrj" typeface="Estrangelo Edessa"/>
+        <a:font script="Syre" typeface="Estrangelo Edessa"/>
+        <a:font script="Sora" typeface="Nirmala UI"/>
+        <a:font script="Tale" typeface="Microsoft Tai Le"/>
+        <a:font script="Talu" typeface="Microsoft New Tai Lue"/>
+        <a:font script="Tfng" typeface="Ebrima"/>
+      </a:majorFont>
+      <a:minorFont>
+        <a:latin typeface="Calibri" panose="020F0502020204030204"/>
+        <a:ea typeface=""/>
+        <a:cs typeface=""/>
+        <a:font script="Jpan" typeface="游ゴシック"/>
+        <a:font script="Hang" typeface="맑은 고딕"/>
+        <a:font script="Hans" typeface="等线"/>
+        <a:font script="Hant" typeface="新細明體"/>
+        <a:font script="Arab" typeface="Arial"/>
+        <a:font script="Hebr" typeface="Arial"/>
+        <a:font script="Thai" typeface="Cordia New"/>
+        <a:font script="Ethi" typeface="Nyala"/>
+        <a:font script="Beng" typeface="Vrinda"/>
+        <a:font script="Gujr" typeface="Shruti"/>
+        <a:font script="Khmr" typeface="DaunPenh"/>
+        <a:font script="Knda" typeface="Tunga"/>
+        <a:font script="Guru" typeface="Raavi"/>
+        <a:font script="Cans" typeface="Euphemia"/>
+        <a:font script="Cher" typeface="Plantagenet Cherokee"/>
+        <a:font script="Yiii" typeface="Microsoft Yi Baiti"/>
+        <a:font script="Tibt" typeface="Microsoft Himalaya"/>
+        <a:font script="Thaa" typeface="MV Boli"/>
+        <a:font script="Deva" typeface="Mangal"/>
+        <a:font script="Telu" typeface="Gautami"/>
+        <a:font script="Taml" typeface="Latha"/>
+        <a:font script="Syrc" typeface="Estrangelo Edessa"/>
+        <a:font script="Orya" typeface="Kalinga"/>
+        <a:font script="Mlym" typeface="Kartika"/>
+        <a:font script="Laoo" typeface="DokChampa"/>
+        <a:font script="Sinh" typeface="Iskoola Pota"/>
+        <a:font script="Mong" typeface="Mongolian Baiti"/>
+        <a:font script="Viet" typeface="Arial"/>
+        <a:font script="Uigh" typeface="Microsoft Uighur"/>
+        <a:font script="Geor" typeface="Sylfaen"/>
+        <a:font script="Armn" typeface="Arial"/>
+        <a:font script="Bugi" typeface="Leelawadee UI"/>
+        <a:font script="Bopo" typeface="Microsoft JhengHei"/>
+        <a:font script="Java" typeface="Javanese Text"/>
+        <a:font script="Lisu" typeface="Segoe UI"/>
+        <a:font script="Mymr" typeface="Myanmar Text"/>
+        <a:font script="Nkoo" typeface="Ebrima"/>
+        <a:font script="Olck" typeface="Nirmala UI"/>
+        <a:font script="Osma" typeface="Ebrima"/>
+        <a:font script="Phag" typeface="Phagspa"/>
+        <a:font script="Syrn" typeface="Estrangelo Edessa"/>
+        <a:font script="Syrj" typeface="Estrangelo Edessa"/>
+        <a:font script="Syre" typeface="Estrangelo Edessa"/>
+        <a:font script="Sora" typeface="Nirmala UI"/>
+        <a:font script="Tale" typeface="Microsoft Tai Le"/>
+        <a:font script="Talu" typeface="Microsoft New Tai Lue"/>
+        <a:font script="Tfng" typeface="Ebrima"/>
+      </a:minorFont>
+    </a:fontScheme>
+    <a:fmtScheme name="Office">
+      <a:fillStyleLst>
+        <a:solidFill>
+          <a:schemeClr val="phClr"/>
+        </a:solidFill>
+        <a:gradFill rotWithShape="1">
+          <a:gsLst>
+            <a:gs pos="0">
+              <a:schemeClr val="phClr">
+                <a:lumMod val="110000"/>
+                <a:satMod val="105000"/>
+                <a:tint val="67000"/>
+              </a:schemeClr>
+            </a:gs>
+            <a:gs pos="50000">
+              <a:schemeClr val="phClr">
+                <a:lumMod val="105000"/>
+                <a:satMod val="103000"/>
+                <a:tint val="73000"/>
+              </a:schemeClr>
+            </a:gs>
+            <a:gs pos="100000">
+              <a:schemeClr val="phClr">
+                <a:lumMod val="105000"/>
+                <a:satMod val="109000"/>
+                <a:tint val="81000"/>
+              </a:schemeClr>
+            </a:gs>
+          </a:gsLst>
+          <a:lin ang="5400000" scaled="0"/>
+        </a:gradFill>
+        <a:gradFill rotWithShape="1">
+          <a:gsLst>
+            <a:gs pos="0">
+              <a:schemeClr val="phClr">
+                <a:satMod val="103000"/>
+                <a:lumMod val="102000"/>
+                <a:tint val="94000"/>
+              </a:schemeClr>
+            </a:gs>
+            <a:gs pos="50000">
+              <a:schemeClr val="phClr">
+                <a:satMod val="110000"/>
+                <a:lumMod val="100000"/>
+                <a:shade val="100000"/>
+              </a:schemeClr>
+            </a:gs>
+            <a:gs pos="100000">
+              <a:schemeClr val="phClr">
+                <a:lumMod val="99000"/>
+                <a:satMod val="120000"/>
+                <a:shade val="78000"/>
+              </a:schemeClr>
+            </a:gs>
+          </a:gsLst>
+          <a:lin ang="5400000" scaled="0"/>
+        </a:gradFill>
+      </a:fillStyleLst>
+      <a:lnStyleLst>
+        <a:ln w="6350" cap="flat" cmpd="sng" algn="ctr">
+          <a:solidFill>
+            <a:schemeClr val="phClr"/>
+          </a:solidFill>
+          <a:prstDash val="solid"/>
+          <a:miter lim="800000"/>
+        </a:ln>
+        <a:ln w="12700" cap="flat" cmpd="sng" algn="ctr">
+          <a:solidFill>
+            <a:schemeClr val="phClr"/>
+          </a:solidFill>
+          <a:prstDash val="solid"/>
+          <a:miter lim="800000"/>
+        </a:ln>
+        <a:ln w="19050" cap="flat" cmpd="sng" algn="ctr">
+          <a:solidFill>
+            <a:schemeClr val="phClr"/>
+          </a:solidFill>
+          <a:prstDash val="solid"/>
+          <a:miter lim="800000"/>
+        </a:ln>
+      </a:lnStyleLst>
+      <a:effectStyleLst>
+        <a:effectStyle>
+          <a:effectLst/>
+        </a:effectStyle>
+        <a:effectStyle>
+          <a:effectLst/>
+        </a:effectStyle>
+        <a:effectStyle>
+          <a:effectLst>
+            <a:outerShdw blurRad="57150" dist="19050" dir="5400000" algn="ctr" rotWithShape="0">
+              <a:srgbClr val="000000">
+                <a:alpha val="63000"/>
+              </a:srgbClr>
+            </a:outerShdw>
+          </a:effectLst>
+        </a:effectStyle>
+      </a:effectStyleLst>
+      <a:bgFillStyleLst>
+        <a:solidFill>
+          <a:schemeClr val="phClr"/>
+        </a:solidFill>
+        <a:solidFill>
+          <a:schemeClr val="phClr">
+            <a:tint val="95000"/>
+            <a:satMod val="170000"/>
+          </a:schemeClr>
+        </a:solidFill>
+        <a:gradFill rotWithShape="1">
+          <a:gsLst>
+            <a:gs pos="0">
+              <a:schemeClr val="phClr">
+                <a:tint val="93000"/>
+                <a:satMod val="150000"/>
+                <a:shade val="98000"/>
+                <a:lumMod val="102000"/>
+              </a:schemeClr>
+            </a:gs>
+            <a:gs pos="50000">
+              <a:schemeClr val="phClr">
+                <a:tint val="98000"/>
+                <a:satMod val="130000"/>
+                <a:shade val="90000"/>
+                <a:lumMod val="103000"/>
+              </a:schemeClr>
+            </a:gs>
+            <a:gs pos="100000">
+              <a:schemeClr val="phClr">
+                <a:shade val="63000"/>
+                <a:satMod val="120000"/>
+              </a:schemeClr>
+            </a:gs>
+          </a:gsLst>
+          <a:lin ang="5400000" scaled="0"/>
+        </a:gradFill>
+      </a:bgFillStyleLst>
+    </a:fmtScheme>
+  </a:themeElements>
+  <a:objectDefaults/>
+  <a:extraClrSchemeLst/>
+  <a:extLst>
+    <a:ext uri="{05A4C25C-085E-4340-85A3-A5531E510DB2}">
+      <thm15:themeFamily xmlns:thm15="http://schemas.microsoft.com/office/thememl/2012/main" name="Office Theme" id="{62F939B6-93AF-4DB8-9C6B-D6C7DFDC589F}" vid="{4A3C46E8-61CC-4603-A589-7422A47A8E4A}"/>
+    </a:ext>
+  </a:extLst>
+</a:theme>
 </file>